--- a/6-semester/physical-education/practical1.pptx
+++ b/6-semester/physical-education/practical1.pptx
@@ -113,6 +113,11 @@
       </a:defRPr>
     </a:lvl9pPr>
   </p:defaultTextStyle>
+  <p:extLst>
+    <p:ext uri="{EFAFB233-063F-42B5-8137-9DF3F51BA10A}">
+      <p15:sldGuideLst xmlns:p15="http://schemas.microsoft.com/office/powerpoint/2012/main"/>
+    </p:ext>
+  </p:extLst>
 </p:presentation>
 </file>
 
@@ -223,7 +228,7 @@
           <a:effectLst/>
           <a:extLst>
             <a:ext uri="{91240B29-F687-4f45-9708-019B960494DF}">
-              <a14:hiddenLine xmlns:a14="http://schemas.microsoft.com/office/drawing/2010/main" xmlns="" w="9525">
+              <a14:hiddenLine xmlns="" xmlns:a14="http://schemas.microsoft.com/office/drawing/2010/main" w="9525">
                 <a:solidFill>
                   <a:srgbClr val="000000"/>
                 </a:solidFill>
@@ -415,7 +420,7 @@
           <a:p>
             <a:fld id="{459F854D-19C3-46D0-81C5-99DCD56AC7A5}" type="datetimeFigureOut">
               <a:rPr lang="ru-RU" smtClean="0"/>
-              <a:t>29.05.2021</a:t>
+              <a:t>05.06.2021</a:t>
             </a:fld>
             <a:endParaRPr lang="ru-RU"/>
           </a:p>
@@ -733,7 +738,7 @@
           <a:p>
             <a:fld id="{459F854D-19C3-46D0-81C5-99DCD56AC7A5}" type="datetimeFigureOut">
               <a:rPr lang="ru-RU" smtClean="0"/>
-              <a:t>29.05.2021</a:t>
+              <a:t>05.06.2021</a:t>
             </a:fld>
             <a:endParaRPr lang="ru-RU"/>
           </a:p>
@@ -1221,7 +1226,7 @@
           <a:p>
             <a:fld id="{459F854D-19C3-46D0-81C5-99DCD56AC7A5}" type="datetimeFigureOut">
               <a:rPr lang="ru-RU" smtClean="0"/>
-              <a:t>29.05.2021</a:t>
+              <a:t>05.06.2021</a:t>
             </a:fld>
             <a:endParaRPr lang="ru-RU"/>
           </a:p>
@@ -1590,7 +1595,7 @@
           <a:p>
             <a:fld id="{459F854D-19C3-46D0-81C5-99DCD56AC7A5}" type="datetimeFigureOut">
               <a:rPr lang="ru-RU" smtClean="0"/>
-              <a:t>29.05.2021</a:t>
+              <a:t>05.06.2021</a:t>
             </a:fld>
             <a:endParaRPr lang="ru-RU"/>
           </a:p>
@@ -1745,7 +1750,7 @@
           <a:ln/>
           <a:extLst>
             <a:ext uri="{91240B29-F687-4f45-9708-019B960494DF}">
-              <a14:hiddenLine xmlns:a14="http://schemas.microsoft.com/office/drawing/2010/main" xmlns="" w="9525">
+              <a14:hiddenLine xmlns="" xmlns:a14="http://schemas.microsoft.com/office/drawing/2010/main" w="9525">
                 <a:solidFill>
                   <a:srgbClr val="000000"/>
                 </a:solidFill>
@@ -1863,7 +1868,7 @@
           <a:p>
             <a:fld id="{459F854D-19C3-46D0-81C5-99DCD56AC7A5}" type="datetimeFigureOut">
               <a:rPr lang="ru-RU" smtClean="0"/>
-              <a:t>29.05.2021</a:t>
+              <a:t>05.06.2021</a:t>
             </a:fld>
             <a:endParaRPr lang="ru-RU"/>
           </a:p>
@@ -2020,7 +2025,7 @@
           <a:ln/>
           <a:extLst>
             <a:ext uri="{91240B29-F687-4f45-9708-019B960494DF}">
-              <a14:hiddenLine xmlns:a14="http://schemas.microsoft.com/office/drawing/2010/main" xmlns="" w="9525">
+              <a14:hiddenLine xmlns="" xmlns:a14="http://schemas.microsoft.com/office/drawing/2010/main" w="9525">
                 <a:solidFill>
                   <a:srgbClr val="000000"/>
                 </a:solidFill>
@@ -2148,7 +2153,7 @@
           <a:p>
             <a:fld id="{459F854D-19C3-46D0-81C5-99DCD56AC7A5}" type="datetimeFigureOut">
               <a:rPr lang="ru-RU" smtClean="0"/>
-              <a:t>29.05.2021</a:t>
+              <a:t>05.06.2021</a:t>
             </a:fld>
             <a:endParaRPr lang="ru-RU"/>
           </a:p>
@@ -2303,7 +2308,7 @@
           <a:ln/>
           <a:extLst>
             <a:ext uri="{91240B29-F687-4f45-9708-019B960494DF}">
-              <a14:hiddenLine xmlns:a14="http://schemas.microsoft.com/office/drawing/2010/main" xmlns="" w="9525">
+              <a14:hiddenLine xmlns="" xmlns:a14="http://schemas.microsoft.com/office/drawing/2010/main" w="9525">
                 <a:solidFill>
                   <a:srgbClr val="000000"/>
                 </a:solidFill>
@@ -2431,7 +2436,7 @@
           <a:p>
             <a:fld id="{459F854D-19C3-46D0-81C5-99DCD56AC7A5}" type="datetimeFigureOut">
               <a:rPr lang="ru-RU" smtClean="0"/>
-              <a:t>29.05.2021</a:t>
+              <a:t>05.06.2021</a:t>
             </a:fld>
             <a:endParaRPr lang="ru-RU"/>
           </a:p>
@@ -2774,7 +2779,7 @@
           <a:p>
             <a:fld id="{459F854D-19C3-46D0-81C5-99DCD56AC7A5}" type="datetimeFigureOut">
               <a:rPr lang="ru-RU" smtClean="0"/>
-              <a:t>29.05.2021</a:t>
+              <a:t>05.06.2021</a:t>
             </a:fld>
             <a:endParaRPr lang="ru-RU"/>
           </a:p>
@@ -2929,7 +2934,7 @@
           <a:ln/>
           <a:extLst>
             <a:ext uri="{91240B29-F687-4f45-9708-019B960494DF}">
-              <a14:hiddenLine xmlns:a14="http://schemas.microsoft.com/office/drawing/2010/main" xmlns="" w="9525">
+              <a14:hiddenLine xmlns="" xmlns:a14="http://schemas.microsoft.com/office/drawing/2010/main" w="9525">
                 <a:solidFill>
                   <a:srgbClr val="000000"/>
                 </a:solidFill>
@@ -3113,7 +3118,7 @@
           <a:p>
             <a:fld id="{459F854D-19C3-46D0-81C5-99DCD56AC7A5}" type="datetimeFigureOut">
               <a:rPr lang="ru-RU" smtClean="0"/>
-              <a:t>29.05.2021</a:t>
+              <a:t>05.06.2021</a:t>
             </a:fld>
             <a:endParaRPr lang="ru-RU"/>
           </a:p>
@@ -3273,7 +3278,7 @@
           <a:ln/>
           <a:extLst>
             <a:ext uri="{91240B29-F687-4f45-9708-019B960494DF}">
-              <a14:hiddenLine xmlns:a14="http://schemas.microsoft.com/office/drawing/2010/main" xmlns="" w="9525">
+              <a14:hiddenLine xmlns="" xmlns:a14="http://schemas.microsoft.com/office/drawing/2010/main" w="9525">
                 <a:solidFill>
                   <a:srgbClr val="000000"/>
                 </a:solidFill>
@@ -3595,7 +3600,7 @@
           <a:p>
             <a:fld id="{459F854D-19C3-46D0-81C5-99DCD56AC7A5}" type="datetimeFigureOut">
               <a:rPr lang="ru-RU" smtClean="0"/>
-              <a:t>29.05.2021</a:t>
+              <a:t>05.06.2021</a:t>
             </a:fld>
             <a:endParaRPr lang="ru-RU"/>
           </a:p>
@@ -3755,7 +3760,7 @@
           <a:ln/>
           <a:extLst>
             <a:ext uri="{91240B29-F687-4f45-9708-019B960494DF}">
-              <a14:hiddenLine xmlns:a14="http://schemas.microsoft.com/office/drawing/2010/main" xmlns="" w="9525">
+              <a14:hiddenLine xmlns="" xmlns:a14="http://schemas.microsoft.com/office/drawing/2010/main" w="9525">
                 <a:solidFill>
                   <a:srgbClr val="000000"/>
                 </a:solidFill>
@@ -3821,7 +3826,7 @@
           <a:p>
             <a:fld id="{459F854D-19C3-46D0-81C5-99DCD56AC7A5}" type="datetimeFigureOut">
               <a:rPr lang="ru-RU" smtClean="0"/>
-              <a:t>29.05.2021</a:t>
+              <a:t>05.06.2021</a:t>
             </a:fld>
             <a:endParaRPr lang="ru-RU"/>
           </a:p>
@@ -3916,7 +3921,7 @@
           <a:p>
             <a:fld id="{459F854D-19C3-46D0-81C5-99DCD56AC7A5}" type="datetimeFigureOut">
               <a:rPr lang="ru-RU" smtClean="0"/>
-              <a:t>29.05.2021</a:t>
+              <a:t>05.06.2021</a:t>
             </a:fld>
             <a:endParaRPr lang="ru-RU"/>
           </a:p>
@@ -4184,7 +4189,7 @@
           <a:ln/>
           <a:extLst>
             <a:ext uri="{91240B29-F687-4f45-9708-019B960494DF}">
-              <a14:hiddenLine xmlns:a14="http://schemas.microsoft.com/office/drawing/2010/main" xmlns="" w="9525">
+              <a14:hiddenLine xmlns="" xmlns:a14="http://schemas.microsoft.com/office/drawing/2010/main" w="9525">
                 <a:solidFill>
                   <a:srgbClr val="000000"/>
                 </a:solidFill>
@@ -4383,7 +4388,7 @@
           <a:p>
             <a:fld id="{459F854D-19C3-46D0-81C5-99DCD56AC7A5}" type="datetimeFigureOut">
               <a:rPr lang="ru-RU" smtClean="0"/>
-              <a:t>29.05.2021</a:t>
+              <a:t>05.06.2021</a:t>
             </a:fld>
             <a:endParaRPr lang="ru-RU"/>
           </a:p>
@@ -4701,7 +4706,7 @@
           <a:p>
             <a:fld id="{459F854D-19C3-46D0-81C5-99DCD56AC7A5}" type="datetimeFigureOut">
               <a:rPr lang="ru-RU" smtClean="0"/>
-              <a:t>29.05.2021</a:t>
+              <a:t>05.06.2021</a:t>
             </a:fld>
             <a:endParaRPr lang="ru-RU"/>
           </a:p>
@@ -4971,7 +4976,7 @@
           <a:p>
             <a:fld id="{459F854D-19C3-46D0-81C5-99DCD56AC7A5}" type="datetimeFigureOut">
               <a:rPr lang="ru-RU" smtClean="0"/>
-              <a:t>29.05.2021</a:t>
+              <a:t>05.06.2021</a:t>
             </a:fld>
             <a:endParaRPr lang="ru-RU"/>
           </a:p>
@@ -5709,27 +5714,48 @@
           <a:lstStyle/>
           <a:p>
             <a:r>
-              <a:rPr lang="ru-RU" dirty="0"/>
+              <a:rPr lang="ru-RU" dirty="0">
+                <a:hlinkClick r:id="rId2" action="ppaction://hlinksldjump"/>
+              </a:rPr>
               <a:t>Определение аэробики</a:t>
             </a:r>
-          </a:p>
-          <a:p>
-            <a:r>
-              <a:rPr lang="ru-RU" dirty="0"/>
+            <a:endParaRPr lang="ru-RU" dirty="0"/>
+          </a:p>
+          <a:p>
+            <a:r>
+              <a:rPr lang="ru-RU" dirty="0">
+                <a:hlinkClick r:id="rId3" action="ppaction://hlinksldjump"/>
+              </a:rPr>
               <a:t>Вида аэробики</a:t>
             </a:r>
-          </a:p>
-          <a:p>
-            <a:r>
-              <a:rPr lang="ru-RU" dirty="0"/>
+            <a:endParaRPr lang="ru-RU" dirty="0"/>
+          </a:p>
+          <a:p>
+            <a:r>
+              <a:rPr lang="ru-RU" dirty="0">
+                <a:hlinkClick r:id="rId4" action="ppaction://hlinksldjump"/>
+              </a:rPr>
               <a:t>Упражнения</a:t>
             </a:r>
-          </a:p>
-          <a:p>
-            <a:r>
-              <a:rPr lang="ru-RU" dirty="0"/>
+            <a:endParaRPr lang="ru-RU" dirty="0"/>
+          </a:p>
+          <a:p>
+            <a:r>
+              <a:rPr lang="ru-RU" dirty="0">
+                <a:hlinkClick r:id="rId5" action="ppaction://hlinksldjump"/>
+              </a:rPr>
+              <a:t>Заключение</a:t>
+            </a:r>
+            <a:endParaRPr lang="ru-RU" dirty="0"/>
+          </a:p>
+          <a:p>
+            <a:r>
+              <a:rPr lang="ru-RU" dirty="0">
+                <a:hlinkClick r:id="rId6" action="ppaction://hlinksldjump"/>
+              </a:rPr>
               <a:t>Источники</a:t>
             </a:r>
+            <a:endParaRPr lang="ru-RU" dirty="0"/>
           </a:p>
         </p:txBody>
       </p:sp>

--- a/6-semester/physical-education/practical1.pptx
+++ b/6-semester/physical-education/practical1.pptx
@@ -228,7 +228,7 @@
           <a:effectLst/>
           <a:extLst>
             <a:ext uri="{91240B29-F687-4f45-9708-019B960494DF}">
-              <a14:hiddenLine xmlns="" xmlns:a14="http://schemas.microsoft.com/office/drawing/2010/main" w="9525">
+              <a14:hiddenLine xmlns:a14="http://schemas.microsoft.com/office/drawing/2010/main" xmlns="" w="9525">
                 <a:solidFill>
                   <a:srgbClr val="000000"/>
                 </a:solidFill>
@@ -1750,7 +1750,7 @@
           <a:ln/>
           <a:extLst>
             <a:ext uri="{91240B29-F687-4f45-9708-019B960494DF}">
-              <a14:hiddenLine xmlns="" xmlns:a14="http://schemas.microsoft.com/office/drawing/2010/main" w="9525">
+              <a14:hiddenLine xmlns:a14="http://schemas.microsoft.com/office/drawing/2010/main" xmlns="" w="9525">
                 <a:solidFill>
                   <a:srgbClr val="000000"/>
                 </a:solidFill>
@@ -2025,7 +2025,7 @@
           <a:ln/>
           <a:extLst>
             <a:ext uri="{91240B29-F687-4f45-9708-019B960494DF}">
-              <a14:hiddenLine xmlns="" xmlns:a14="http://schemas.microsoft.com/office/drawing/2010/main" w="9525">
+              <a14:hiddenLine xmlns:a14="http://schemas.microsoft.com/office/drawing/2010/main" xmlns="" w="9525">
                 <a:solidFill>
                   <a:srgbClr val="000000"/>
                 </a:solidFill>
@@ -2308,7 +2308,7 @@
           <a:ln/>
           <a:extLst>
             <a:ext uri="{91240B29-F687-4f45-9708-019B960494DF}">
-              <a14:hiddenLine xmlns="" xmlns:a14="http://schemas.microsoft.com/office/drawing/2010/main" w="9525">
+              <a14:hiddenLine xmlns:a14="http://schemas.microsoft.com/office/drawing/2010/main" xmlns="" w="9525">
                 <a:solidFill>
                   <a:srgbClr val="000000"/>
                 </a:solidFill>
@@ -2934,7 +2934,7 @@
           <a:ln/>
           <a:extLst>
             <a:ext uri="{91240B29-F687-4f45-9708-019B960494DF}">
-              <a14:hiddenLine xmlns="" xmlns:a14="http://schemas.microsoft.com/office/drawing/2010/main" w="9525">
+              <a14:hiddenLine xmlns:a14="http://schemas.microsoft.com/office/drawing/2010/main" xmlns="" w="9525">
                 <a:solidFill>
                   <a:srgbClr val="000000"/>
                 </a:solidFill>
@@ -3278,7 +3278,7 @@
           <a:ln/>
           <a:extLst>
             <a:ext uri="{91240B29-F687-4f45-9708-019B960494DF}">
-              <a14:hiddenLine xmlns="" xmlns:a14="http://schemas.microsoft.com/office/drawing/2010/main" w="9525">
+              <a14:hiddenLine xmlns:a14="http://schemas.microsoft.com/office/drawing/2010/main" xmlns="" w="9525">
                 <a:solidFill>
                   <a:srgbClr val="000000"/>
                 </a:solidFill>
@@ -3760,7 +3760,7 @@
           <a:ln/>
           <a:extLst>
             <a:ext uri="{91240B29-F687-4f45-9708-019B960494DF}">
-              <a14:hiddenLine xmlns="" xmlns:a14="http://schemas.microsoft.com/office/drawing/2010/main" w="9525">
+              <a14:hiddenLine xmlns:a14="http://schemas.microsoft.com/office/drawing/2010/main" xmlns="" w="9525">
                 <a:solidFill>
                   <a:srgbClr val="000000"/>
                 </a:solidFill>
@@ -4189,7 +4189,7 @@
           <a:ln/>
           <a:extLst>
             <a:ext uri="{91240B29-F687-4f45-9708-019B960494DF}">
-              <a14:hiddenLine xmlns="" xmlns:a14="http://schemas.microsoft.com/office/drawing/2010/main" w="9525">
+              <a14:hiddenLine xmlns:a14="http://schemas.microsoft.com/office/drawing/2010/main" xmlns="" w="9525">
                 <a:solidFill>
                   <a:srgbClr val="000000"/>
                 </a:solidFill>
@@ -5453,7 +5453,15 @@
           <a:p>
             <a:r>
               <a:rPr lang="ru-RU" dirty="0"/>
-              <a:t>Практическая работа № 2. Аэробика</a:t>
+              <a:t>Практическая работа </a:t>
+            </a:r>
+            <a:r>
+              <a:rPr lang="ru-RU"/>
+              <a:t>№ 1. </a:t>
+            </a:r>
+            <a:r>
+              <a:rPr lang="ru-RU" dirty="0"/>
+              <a:t>Аэробика</a:t>
             </a:r>
           </a:p>
         </p:txBody>
